--- a/branches/extended/2-Java-Programmer-Modulo-II/02.Capitulo01.pptx
+++ b/branches/extended/2-Java-Programmer-Modulo-II/02.Capitulo01.pptx
@@ -258,7 +258,7 @@
               <a:pPr>
                 <a:defRPr/>
               </a:pPr>
-              <a:t>05/05/2012</a:t>
+              <a:t>24/09/2012</a:t>
             </a:fld>
             <a:endParaRPr lang="pt-BR"/>
           </a:p>
@@ -446,7 +446,7 @@
               <a:pPr>
                 <a:defRPr/>
               </a:pPr>
-              <a:t>‹nº›</a:t>
+              <a:t>‹#›</a:t>
             </a:fld>
             <a:endParaRPr lang="pt-BR"/>
           </a:p>
@@ -2237,7 +2237,7 @@
               <a:pPr>
                 <a:defRPr/>
               </a:pPr>
-              <a:t>05/05/2012</a:t>
+              <a:t>24/09/2012</a:t>
             </a:fld>
             <a:endParaRPr lang="pt-BR"/>
           </a:p>
@@ -2296,7 +2296,7 @@
               <a:pPr>
                 <a:defRPr/>
               </a:pPr>
-              <a:t>‹nº›</a:t>
+              <a:t>‹#›</a:t>
             </a:fld>
             <a:endParaRPr lang="pt-BR" dirty="0"/>
           </a:p>
@@ -2429,7 +2429,7 @@
               <a:pPr>
                 <a:defRPr/>
               </a:pPr>
-              <a:t>05/05/2012</a:t>
+              <a:t>24/09/2012</a:t>
             </a:fld>
             <a:endParaRPr lang="pt-BR"/>
           </a:p>
@@ -2488,7 +2488,7 @@
               <a:pPr>
                 <a:defRPr/>
               </a:pPr>
-              <a:t>‹nº›</a:t>
+              <a:t>‹#›</a:t>
             </a:fld>
             <a:endParaRPr lang="pt-BR"/>
           </a:p>
@@ -2631,7 +2631,7 @@
               <a:pPr>
                 <a:defRPr/>
               </a:pPr>
-              <a:t>05/05/2012</a:t>
+              <a:t>24/09/2012</a:t>
             </a:fld>
             <a:endParaRPr lang="pt-BR"/>
           </a:p>
@@ -2690,7 +2690,7 @@
               <a:pPr>
                 <a:defRPr/>
               </a:pPr>
-              <a:t>‹nº›</a:t>
+              <a:t>‹#›</a:t>
             </a:fld>
             <a:endParaRPr lang="pt-BR"/>
           </a:p>
@@ -2731,7 +2731,12 @@
             <p:ph type="title"/>
           </p:nvPr>
         </p:nvSpPr>
-        <p:spPr/>
+        <p:spPr>
+          <a:xfrm>
+            <a:off x="457200" y="274638"/>
+            <a:ext cx="8329642" cy="1143000"/>
+          </a:xfrm>
+        </p:spPr>
         <p:txBody>
           <a:bodyPr/>
           <a:lstStyle>
@@ -2741,10 +2746,10 @@
           </a:lstStyle>
           <a:p>
             <a:r>
-              <a:rPr lang="pt-BR" smtClean="0"/>
+              <a:rPr lang="pt-BR" dirty="0" smtClean="0"/>
               <a:t>Clique para editar o estilo do título mestre</a:t>
             </a:r>
-            <a:endParaRPr lang="en-US"/>
+            <a:endParaRPr lang="en-US" dirty="0"/>
           </a:p>
         </p:txBody>
       </p:sp>
@@ -2827,7 +2832,7 @@
               <a:pPr>
                 <a:defRPr/>
               </a:pPr>
-              <a:t>05/05/2012</a:t>
+              <a:t>24/09/2012</a:t>
             </a:fld>
             <a:endParaRPr lang="pt-BR"/>
           </a:p>
@@ -2886,7 +2891,7 @@
               <a:pPr>
                 <a:defRPr/>
               </a:pPr>
-              <a:t>‹nº›</a:t>
+              <a:t>‹#›</a:t>
             </a:fld>
             <a:endParaRPr lang="pt-BR" dirty="0"/>
           </a:p>
@@ -3333,7 +3338,7 @@
               <a:pPr>
                 <a:defRPr/>
               </a:pPr>
-              <a:t>05/05/2012</a:t>
+              <a:t>24/09/2012</a:t>
             </a:fld>
             <a:endParaRPr lang="pt-BR"/>
           </a:p>
@@ -3392,7 +3397,7 @@
               <a:pPr>
                 <a:defRPr/>
               </a:pPr>
-              <a:t>‹nº›</a:t>
+              <a:t>‹#›</a:t>
             </a:fld>
             <a:endParaRPr lang="pt-BR"/>
           </a:p>
@@ -3624,7 +3629,7 @@
               <a:pPr>
                 <a:defRPr/>
               </a:pPr>
-              <a:t>05/05/2012</a:t>
+              <a:t>24/09/2012</a:t>
             </a:fld>
             <a:endParaRPr lang="pt-BR"/>
           </a:p>
@@ -3683,7 +3688,7 @@
               <a:pPr>
                 <a:defRPr/>
               </a:pPr>
-              <a:t>‹nº›</a:t>
+              <a:t>‹#›</a:t>
             </a:fld>
             <a:endParaRPr lang="pt-BR"/>
           </a:p>
@@ -4025,7 +4030,7 @@
               <a:pPr>
                 <a:defRPr/>
               </a:pPr>
-              <a:t>05/05/2012</a:t>
+              <a:t>24/09/2012</a:t>
             </a:fld>
             <a:endParaRPr lang="pt-BR"/>
           </a:p>
@@ -4084,7 +4089,7 @@
               <a:pPr>
                 <a:defRPr/>
               </a:pPr>
-              <a:t>‹nº›</a:t>
+              <a:t>‹#›</a:t>
             </a:fld>
             <a:endParaRPr lang="pt-BR"/>
           </a:p>
@@ -4174,7 +4179,7 @@
               <a:pPr>
                 <a:defRPr/>
               </a:pPr>
-              <a:t>05/05/2012</a:t>
+              <a:t>24/09/2012</a:t>
             </a:fld>
             <a:endParaRPr lang="pt-BR"/>
           </a:p>
@@ -4233,7 +4238,7 @@
               <a:pPr>
                 <a:defRPr/>
               </a:pPr>
-              <a:t>‹nº›</a:t>
+              <a:t>‹#›</a:t>
             </a:fld>
             <a:endParaRPr lang="pt-BR"/>
           </a:p>
@@ -4291,7 +4296,7 @@
               <a:pPr>
                 <a:defRPr/>
               </a:pPr>
-              <a:t>05/05/2012</a:t>
+              <a:t>24/09/2012</a:t>
             </a:fld>
             <a:endParaRPr lang="pt-BR"/>
           </a:p>
@@ -4350,7 +4355,7 @@
               <a:pPr>
                 <a:defRPr/>
               </a:pPr>
-              <a:t>‹nº›</a:t>
+              <a:t>‹#›</a:t>
             </a:fld>
             <a:endParaRPr lang="pt-BR"/>
           </a:p>
@@ -4567,7 +4572,7 @@
               <a:pPr>
                 <a:defRPr/>
               </a:pPr>
-              <a:t>05/05/2012</a:t>
+              <a:t>24/09/2012</a:t>
             </a:fld>
             <a:endParaRPr lang="pt-BR"/>
           </a:p>
@@ -4631,7 +4636,7 @@
               <a:pPr>
                 <a:defRPr/>
               </a:pPr>
-              <a:t>‹nº›</a:t>
+              <a:t>‹#›</a:t>
             </a:fld>
             <a:endParaRPr lang="pt-BR"/>
           </a:p>
@@ -4851,7 +4856,7 @@
               <a:pPr>
                 <a:defRPr/>
               </a:pPr>
-              <a:t>05/05/2012</a:t>
+              <a:t>24/09/2012</a:t>
             </a:fld>
             <a:endParaRPr lang="pt-BR"/>
           </a:p>
@@ -4910,7 +4915,7 @@
               <a:pPr>
                 <a:defRPr/>
               </a:pPr>
-              <a:t>‹nº›</a:t>
+              <a:t>‹#›</a:t>
             </a:fld>
             <a:endParaRPr lang="pt-BR"/>
           </a:p>
@@ -5329,7 +5334,7 @@
               <a:pPr>
                 <a:defRPr/>
               </a:pPr>
-              <a:t>05/05/2012</a:t>
+              <a:t>24/09/2012</a:t>
             </a:fld>
             <a:endParaRPr lang="pt-BR"/>
           </a:p>
@@ -5432,7 +5437,7 @@
               <a:pPr>
                 <a:defRPr/>
               </a:pPr>
-              <a:t>‹nº›</a:t>
+              <a:t>‹#›</a:t>
             </a:fld>
             <a:endParaRPr lang="pt-BR" dirty="0"/>
           </a:p>
